--- a/docs/classSystem/models.pptx
+++ b/docs/classSystem/models.pptx
@@ -292,6 +292,7 @@
           <a:p>
             <a:fld id="{44FFA7B4-467F-4D47-8FD3-151B1A0C5FD4}" type="datetimeFigureOut">
               <a:rPr lang="en-US" smtClean="0"/>
+              <a:pPr/>
               <a:t>8/26/2010</a:t>
             </a:fld>
             <a:endParaRPr lang="en-US"/>
@@ -334,6 +335,7 @@
           <a:p>
             <a:fld id="{3DED44E1-C61E-402C-B7A0-962EC0940CC9}" type="slidenum">
               <a:rPr lang="en-US" smtClean="0"/>
+              <a:pPr/>
               <a:t>‹#›</a:t>
             </a:fld>
             <a:endParaRPr lang="en-US"/>
@@ -457,6 +459,7 @@
           <a:p>
             <a:fld id="{44FFA7B4-467F-4D47-8FD3-151B1A0C5FD4}" type="datetimeFigureOut">
               <a:rPr lang="en-US" smtClean="0"/>
+              <a:pPr/>
               <a:t>8/26/2010</a:t>
             </a:fld>
             <a:endParaRPr lang="en-US"/>
@@ -499,6 +502,7 @@
           <a:p>
             <a:fld id="{3DED44E1-C61E-402C-B7A0-962EC0940CC9}" type="slidenum">
               <a:rPr lang="en-US" smtClean="0"/>
+              <a:pPr/>
               <a:t>‹#›</a:t>
             </a:fld>
             <a:endParaRPr lang="en-US"/>
@@ -632,6 +636,7 @@
           <a:p>
             <a:fld id="{44FFA7B4-467F-4D47-8FD3-151B1A0C5FD4}" type="datetimeFigureOut">
               <a:rPr lang="en-US" smtClean="0"/>
+              <a:pPr/>
               <a:t>8/26/2010</a:t>
             </a:fld>
             <a:endParaRPr lang="en-US"/>
@@ -674,6 +679,7 @@
           <a:p>
             <a:fld id="{3DED44E1-C61E-402C-B7A0-962EC0940CC9}" type="slidenum">
               <a:rPr lang="en-US" smtClean="0"/>
+              <a:pPr/>
               <a:t>‹#›</a:t>
             </a:fld>
             <a:endParaRPr lang="en-US"/>
@@ -797,6 +803,7 @@
           <a:p>
             <a:fld id="{44FFA7B4-467F-4D47-8FD3-151B1A0C5FD4}" type="datetimeFigureOut">
               <a:rPr lang="en-US" smtClean="0"/>
+              <a:pPr/>
               <a:t>8/26/2010</a:t>
             </a:fld>
             <a:endParaRPr lang="en-US"/>
@@ -839,6 +846,7 @@
           <a:p>
             <a:fld id="{3DED44E1-C61E-402C-B7A0-962EC0940CC9}" type="slidenum">
               <a:rPr lang="en-US" smtClean="0"/>
+              <a:pPr/>
               <a:t>‹#›</a:t>
             </a:fld>
             <a:endParaRPr lang="en-US"/>
@@ -1038,6 +1046,7 @@
           <a:p>
             <a:fld id="{44FFA7B4-467F-4D47-8FD3-151B1A0C5FD4}" type="datetimeFigureOut">
               <a:rPr lang="en-US" smtClean="0"/>
+              <a:pPr/>
               <a:t>8/26/2010</a:t>
             </a:fld>
             <a:endParaRPr lang="en-US"/>
@@ -1080,6 +1089,7 @@
           <a:p>
             <a:fld id="{3DED44E1-C61E-402C-B7A0-962EC0940CC9}" type="slidenum">
               <a:rPr lang="en-US" smtClean="0"/>
+              <a:pPr/>
               <a:t>‹#›</a:t>
             </a:fld>
             <a:endParaRPr lang="en-US"/>
@@ -1321,6 +1331,7 @@
           <a:p>
             <a:fld id="{44FFA7B4-467F-4D47-8FD3-151B1A0C5FD4}" type="datetimeFigureOut">
               <a:rPr lang="en-US" smtClean="0"/>
+              <a:pPr/>
               <a:t>8/26/2010</a:t>
             </a:fld>
             <a:endParaRPr lang="en-US"/>
@@ -1363,6 +1374,7 @@
           <a:p>
             <a:fld id="{3DED44E1-C61E-402C-B7A0-962EC0940CC9}" type="slidenum">
               <a:rPr lang="en-US" smtClean="0"/>
+              <a:pPr/>
               <a:t>‹#›</a:t>
             </a:fld>
             <a:endParaRPr lang="en-US"/>
@@ -1738,6 +1750,7 @@
           <a:p>
             <a:fld id="{44FFA7B4-467F-4D47-8FD3-151B1A0C5FD4}" type="datetimeFigureOut">
               <a:rPr lang="en-US" smtClean="0"/>
+              <a:pPr/>
               <a:t>8/26/2010</a:t>
             </a:fld>
             <a:endParaRPr lang="en-US"/>
@@ -1780,6 +1793,7 @@
           <a:p>
             <a:fld id="{3DED44E1-C61E-402C-B7A0-962EC0940CC9}" type="slidenum">
               <a:rPr lang="en-US" smtClean="0"/>
+              <a:pPr/>
               <a:t>‹#›</a:t>
             </a:fld>
             <a:endParaRPr lang="en-US"/>
@@ -1851,6 +1865,7 @@
           <a:p>
             <a:fld id="{44FFA7B4-467F-4D47-8FD3-151B1A0C5FD4}" type="datetimeFigureOut">
               <a:rPr lang="en-US" smtClean="0"/>
+              <a:pPr/>
               <a:t>8/26/2010</a:t>
             </a:fld>
             <a:endParaRPr lang="en-US"/>
@@ -1893,6 +1908,7 @@
           <a:p>
             <a:fld id="{3DED44E1-C61E-402C-B7A0-962EC0940CC9}" type="slidenum">
               <a:rPr lang="en-US" smtClean="0"/>
+              <a:pPr/>
               <a:t>‹#›</a:t>
             </a:fld>
             <a:endParaRPr lang="en-US"/>
@@ -1941,6 +1957,7 @@
           <a:p>
             <a:fld id="{44FFA7B4-467F-4D47-8FD3-151B1A0C5FD4}" type="datetimeFigureOut">
               <a:rPr lang="en-US" smtClean="0"/>
+              <a:pPr/>
               <a:t>8/26/2010</a:t>
             </a:fld>
             <a:endParaRPr lang="en-US"/>
@@ -1983,6 +2000,7 @@
           <a:p>
             <a:fld id="{3DED44E1-C61E-402C-B7A0-962EC0940CC9}" type="slidenum">
               <a:rPr lang="en-US" smtClean="0"/>
+              <a:pPr/>
               <a:t>‹#›</a:t>
             </a:fld>
             <a:endParaRPr lang="en-US"/>
@@ -2213,6 +2231,7 @@
           <a:p>
             <a:fld id="{44FFA7B4-467F-4D47-8FD3-151B1A0C5FD4}" type="datetimeFigureOut">
               <a:rPr lang="en-US" smtClean="0"/>
+              <a:pPr/>
               <a:t>8/26/2010</a:t>
             </a:fld>
             <a:endParaRPr lang="en-US"/>
@@ -2255,6 +2274,7 @@
           <a:p>
             <a:fld id="{3DED44E1-C61E-402C-B7A0-962EC0940CC9}" type="slidenum">
               <a:rPr lang="en-US" smtClean="0"/>
+              <a:pPr/>
               <a:t>‹#›</a:t>
             </a:fld>
             <a:endParaRPr lang="en-US"/>
@@ -2461,6 +2481,7 @@
           <a:p>
             <a:fld id="{44FFA7B4-467F-4D47-8FD3-151B1A0C5FD4}" type="datetimeFigureOut">
               <a:rPr lang="en-US" smtClean="0"/>
+              <a:pPr/>
               <a:t>8/26/2010</a:t>
             </a:fld>
             <a:endParaRPr lang="en-US"/>
@@ -2503,6 +2524,7 @@
           <a:p>
             <a:fld id="{3DED44E1-C61E-402C-B7A0-962EC0940CC9}" type="slidenum">
               <a:rPr lang="en-US" smtClean="0"/>
+              <a:pPr/>
               <a:t>‹#›</a:t>
             </a:fld>
             <a:endParaRPr lang="en-US"/>
@@ -2669,6 +2691,7 @@
           <a:p>
             <a:fld id="{44FFA7B4-467F-4D47-8FD3-151B1A0C5FD4}" type="datetimeFigureOut">
               <a:rPr lang="en-US" smtClean="0"/>
+              <a:pPr/>
               <a:t>8/26/2010</a:t>
             </a:fld>
             <a:endParaRPr lang="en-US"/>
@@ -2747,6 +2770,7 @@
           <a:p>
             <a:fld id="{3DED44E1-C61E-402C-B7A0-962EC0940CC9}" type="slidenum">
               <a:rPr lang="en-US" smtClean="0"/>
+              <a:pPr/>
               <a:t>‹#›</a:t>
             </a:fld>
             <a:endParaRPr lang="en-US"/>
@@ -6083,7 +6107,7 @@
         </p:nvSpPr>
         <p:spPr>
           <a:xfrm>
-            <a:off x="304800" y="1981200"/>
+            <a:off x="304800" y="1828800"/>
             <a:ext cx="1143000" cy="369332"/>
           </a:xfrm>
           <a:prstGeom prst="rect">
@@ -6113,8 +6137,8 @@
         </p:nvSpPr>
         <p:spPr>
           <a:xfrm>
-            <a:off x="76200" y="2438400"/>
-            <a:ext cx="2209800" cy="4267200"/>
+            <a:off x="76200" y="2209800"/>
+            <a:ext cx="2209800" cy="4495800"/>
           </a:xfrm>
           <a:prstGeom prst="rect">
             <a:avLst/>
@@ -6154,8 +6178,8 @@
         </p:nvSpPr>
         <p:spPr>
           <a:xfrm>
-            <a:off x="228600" y="2438400"/>
-            <a:ext cx="1905000" cy="4678204"/>
+            <a:off x="304800" y="2209800"/>
+            <a:ext cx="1905000" cy="4401205"/>
           </a:xfrm>
           <a:prstGeom prst="rect">
             <a:avLst/>
@@ -6292,9 +6316,6 @@
               <a:t>Wishart</a:t>
             </a:r>
             <a:endParaRPr lang="en-US" sz="1400" dirty="0" smtClean="0"/>
-          </a:p>
-          <a:p>
-            <a:endParaRPr lang="en-US" dirty="0"/>
           </a:p>
         </p:txBody>
       </p:sp>

--- a/docs/classSystem/models.pptx
+++ b/docs/classSystem/models.pptx
@@ -4,12 +4,16 @@
   <p:sldMasterIdLst>
     <p:sldMasterId id="2147483648" r:id="rId1"/>
   </p:sldMasterIdLst>
+  <p:notesMasterIdLst>
+    <p:notesMasterId r:id="rId8"/>
+  </p:notesMasterIdLst>
   <p:sldIdLst>
     <p:sldId id="258" r:id="rId2"/>
     <p:sldId id="256" r:id="rId3"/>
     <p:sldId id="259" r:id="rId4"/>
-    <p:sldId id="260" r:id="rId5"/>
-    <p:sldId id="257" r:id="rId6"/>
+    <p:sldId id="261" r:id="rId5"/>
+    <p:sldId id="260" r:id="rId6"/>
+    <p:sldId id="257" r:id="rId7"/>
   </p:sldIdLst>
   <p:sldSz cx="9144000" cy="6858000" type="screen4x3"/>
   <p:notesSz cx="7315200" cy="9601200"/>
@@ -111,6 +115,434 @@
 </p:presentation>
 </file>
 
+<file path=ppt/notesMasters/notesMaster1.xml><?xml version="1.0" encoding="utf-8"?>
+<p:notesMaster xmlns:a="http://schemas.openxmlformats.org/drawingml/2006/main" xmlns:r="http://schemas.openxmlformats.org/officeDocument/2006/relationships" xmlns:p="http://schemas.openxmlformats.org/presentationml/2006/main">
+  <p:cSld>
+    <p:bg>
+      <p:bgRef idx="1001">
+        <a:schemeClr val="bg1"/>
+      </p:bgRef>
+    </p:bg>
+    <p:spTree>
+      <p:nvGrpSpPr>
+        <p:cNvPr id="1" name=""/>
+        <p:cNvGrpSpPr/>
+        <p:nvPr/>
+      </p:nvGrpSpPr>
+      <p:grpSpPr>
+        <a:xfrm>
+          <a:off x="0" y="0"/>
+          <a:ext cx="0" cy="0"/>
+          <a:chOff x="0" y="0"/>
+          <a:chExt cx="0" cy="0"/>
+        </a:xfrm>
+      </p:grpSpPr>
+      <p:sp>
+        <p:nvSpPr>
+          <p:cNvPr id="2" name="Header Placeholder 1"/>
+          <p:cNvSpPr>
+            <a:spLocks noGrp="1"/>
+          </p:cNvSpPr>
+          <p:nvPr>
+            <p:ph type="hdr" sz="quarter"/>
+          </p:nvPr>
+        </p:nvSpPr>
+        <p:spPr>
+          <a:xfrm>
+            <a:off x="0" y="0"/>
+            <a:ext cx="3170238" cy="479425"/>
+          </a:xfrm>
+          <a:prstGeom prst="rect">
+            <a:avLst/>
+          </a:prstGeom>
+        </p:spPr>
+        <p:txBody>
+          <a:bodyPr vert="horz" lIns="91440" tIns="45720" rIns="91440" bIns="45720" rtlCol="0"/>
+          <a:lstStyle>
+            <a:lvl1pPr algn="l">
+              <a:defRPr sz="1200"/>
+            </a:lvl1pPr>
+          </a:lstStyle>
+          <a:p>
+            <a:endParaRPr lang="en-US"/>
+          </a:p>
+        </p:txBody>
+      </p:sp>
+      <p:sp>
+        <p:nvSpPr>
+          <p:cNvPr id="3" name="Date Placeholder 2"/>
+          <p:cNvSpPr>
+            <a:spLocks noGrp="1"/>
+          </p:cNvSpPr>
+          <p:nvPr>
+            <p:ph type="dt" idx="1"/>
+          </p:nvPr>
+        </p:nvSpPr>
+        <p:spPr>
+          <a:xfrm>
+            <a:off x="4143375" y="0"/>
+            <a:ext cx="3170238" cy="479425"/>
+          </a:xfrm>
+          <a:prstGeom prst="rect">
+            <a:avLst/>
+          </a:prstGeom>
+        </p:spPr>
+        <p:txBody>
+          <a:bodyPr vert="horz" lIns="91440" tIns="45720" rIns="91440" bIns="45720" rtlCol="0"/>
+          <a:lstStyle>
+            <a:lvl1pPr algn="r">
+              <a:defRPr sz="1200"/>
+            </a:lvl1pPr>
+          </a:lstStyle>
+          <a:p>
+            <a:fld id="{A2A0E6C5-7305-48FF-B13C-9A128B949800}" type="datetimeFigureOut">
+              <a:rPr lang="en-US" smtClean="0"/>
+              <a:t>10/25/2010</a:t>
+            </a:fld>
+            <a:endParaRPr lang="en-US"/>
+          </a:p>
+        </p:txBody>
+      </p:sp>
+      <p:sp>
+        <p:nvSpPr>
+          <p:cNvPr id="4" name="Slide Image Placeholder 3"/>
+          <p:cNvSpPr>
+            <a:spLocks noGrp="1" noRot="1" noChangeAspect="1"/>
+          </p:cNvSpPr>
+          <p:nvPr>
+            <p:ph type="sldImg" idx="2"/>
+          </p:nvPr>
+        </p:nvSpPr>
+        <p:spPr>
+          <a:xfrm>
+            <a:off x="1257300" y="720725"/>
+            <a:ext cx="4800600" cy="3600450"/>
+          </a:xfrm>
+          <a:prstGeom prst="rect">
+            <a:avLst/>
+          </a:prstGeom>
+          <a:noFill/>
+          <a:ln w="12700">
+            <a:solidFill>
+              <a:prstClr val="black"/>
+            </a:solidFill>
+          </a:ln>
+        </p:spPr>
+        <p:txBody>
+          <a:bodyPr vert="horz" lIns="91440" tIns="45720" rIns="91440" bIns="45720" rtlCol="0" anchor="ctr"/>
+          <a:lstStyle/>
+          <a:p>
+            <a:endParaRPr lang="en-US"/>
+          </a:p>
+        </p:txBody>
+      </p:sp>
+      <p:sp>
+        <p:nvSpPr>
+          <p:cNvPr id="5" name="Notes Placeholder 4"/>
+          <p:cNvSpPr>
+            <a:spLocks noGrp="1"/>
+          </p:cNvSpPr>
+          <p:nvPr>
+            <p:ph type="body" sz="quarter" idx="3"/>
+          </p:nvPr>
+        </p:nvSpPr>
+        <p:spPr>
+          <a:xfrm>
+            <a:off x="731838" y="4560888"/>
+            <a:ext cx="5851525" cy="4319587"/>
+          </a:xfrm>
+          <a:prstGeom prst="rect">
+            <a:avLst/>
+          </a:prstGeom>
+        </p:spPr>
+        <p:txBody>
+          <a:bodyPr vert="horz" lIns="91440" tIns="45720" rIns="91440" bIns="45720" rtlCol="0">
+            <a:normAutofit/>
+          </a:bodyPr>
+          <a:lstStyle/>
+          <a:p>
+            <a:pPr lvl="0"/>
+            <a:r>
+              <a:rPr lang="en-US" smtClean="0"/>
+              <a:t>Click to edit Master text styles</a:t>
+            </a:r>
+          </a:p>
+          <a:p>
+            <a:pPr lvl="1"/>
+            <a:r>
+              <a:rPr lang="en-US" smtClean="0"/>
+              <a:t>Second level</a:t>
+            </a:r>
+          </a:p>
+          <a:p>
+            <a:pPr lvl="2"/>
+            <a:r>
+              <a:rPr lang="en-US" smtClean="0"/>
+              <a:t>Third level</a:t>
+            </a:r>
+          </a:p>
+          <a:p>
+            <a:pPr lvl="3"/>
+            <a:r>
+              <a:rPr lang="en-US" smtClean="0"/>
+              <a:t>Fourth level</a:t>
+            </a:r>
+          </a:p>
+          <a:p>
+            <a:pPr lvl="4"/>
+            <a:r>
+              <a:rPr lang="en-US" smtClean="0"/>
+              <a:t>Fifth level</a:t>
+            </a:r>
+            <a:endParaRPr lang="en-US"/>
+          </a:p>
+        </p:txBody>
+      </p:sp>
+      <p:sp>
+        <p:nvSpPr>
+          <p:cNvPr id="6" name="Footer Placeholder 5"/>
+          <p:cNvSpPr>
+            <a:spLocks noGrp="1"/>
+          </p:cNvSpPr>
+          <p:nvPr>
+            <p:ph type="ftr" sz="quarter" idx="4"/>
+          </p:nvPr>
+        </p:nvSpPr>
+        <p:spPr>
+          <a:xfrm>
+            <a:off x="0" y="9120188"/>
+            <a:ext cx="3170238" cy="479425"/>
+          </a:xfrm>
+          <a:prstGeom prst="rect">
+            <a:avLst/>
+          </a:prstGeom>
+        </p:spPr>
+        <p:txBody>
+          <a:bodyPr vert="horz" lIns="91440" tIns="45720" rIns="91440" bIns="45720" rtlCol="0" anchor="b"/>
+          <a:lstStyle>
+            <a:lvl1pPr algn="l">
+              <a:defRPr sz="1200"/>
+            </a:lvl1pPr>
+          </a:lstStyle>
+          <a:p>
+            <a:endParaRPr lang="en-US"/>
+          </a:p>
+        </p:txBody>
+      </p:sp>
+      <p:sp>
+        <p:nvSpPr>
+          <p:cNvPr id="7" name="Slide Number Placeholder 6"/>
+          <p:cNvSpPr>
+            <a:spLocks noGrp="1"/>
+          </p:cNvSpPr>
+          <p:nvPr>
+            <p:ph type="sldNum" sz="quarter" idx="5"/>
+          </p:nvPr>
+        </p:nvSpPr>
+        <p:spPr>
+          <a:xfrm>
+            <a:off x="4143375" y="9120188"/>
+            <a:ext cx="3170238" cy="479425"/>
+          </a:xfrm>
+          <a:prstGeom prst="rect">
+            <a:avLst/>
+          </a:prstGeom>
+        </p:spPr>
+        <p:txBody>
+          <a:bodyPr vert="horz" lIns="91440" tIns="45720" rIns="91440" bIns="45720" rtlCol="0" anchor="b"/>
+          <a:lstStyle>
+            <a:lvl1pPr algn="r">
+              <a:defRPr sz="1200"/>
+            </a:lvl1pPr>
+          </a:lstStyle>
+          <a:p>
+            <a:fld id="{71E8DB59-2BAE-4C87-9CC0-816EF4AF7CA8}" type="slidenum">
+              <a:rPr lang="en-US" smtClean="0"/>
+              <a:t>‹#›</a:t>
+            </a:fld>
+            <a:endParaRPr lang="en-US"/>
+          </a:p>
+        </p:txBody>
+      </p:sp>
+    </p:spTree>
+  </p:cSld>
+  <p:clrMap bg1="lt1" tx1="dk1" bg2="lt2" tx2="dk2" accent1="accent1" accent2="accent2" accent3="accent3" accent4="accent4" accent5="accent5" accent6="accent6" hlink="hlink" folHlink="folHlink"/>
+  <p:notesStyle>
+    <a:lvl1pPr marL="0" algn="l" defTabSz="914400" rtl="0" eaLnBrk="1" latinLnBrk="0" hangingPunct="1">
+      <a:defRPr sz="1200" kern="1200">
+        <a:solidFill>
+          <a:schemeClr val="tx1"/>
+        </a:solidFill>
+        <a:latin typeface="+mn-lt"/>
+        <a:ea typeface="+mn-ea"/>
+        <a:cs typeface="+mn-cs"/>
+      </a:defRPr>
+    </a:lvl1pPr>
+    <a:lvl2pPr marL="457200" algn="l" defTabSz="914400" rtl="0" eaLnBrk="1" latinLnBrk="0" hangingPunct="1">
+      <a:defRPr sz="1200" kern="1200">
+        <a:solidFill>
+          <a:schemeClr val="tx1"/>
+        </a:solidFill>
+        <a:latin typeface="+mn-lt"/>
+        <a:ea typeface="+mn-ea"/>
+        <a:cs typeface="+mn-cs"/>
+      </a:defRPr>
+    </a:lvl2pPr>
+    <a:lvl3pPr marL="914400" algn="l" defTabSz="914400" rtl="0" eaLnBrk="1" latinLnBrk="0" hangingPunct="1">
+      <a:defRPr sz="1200" kern="1200">
+        <a:solidFill>
+          <a:schemeClr val="tx1"/>
+        </a:solidFill>
+        <a:latin typeface="+mn-lt"/>
+        <a:ea typeface="+mn-ea"/>
+        <a:cs typeface="+mn-cs"/>
+      </a:defRPr>
+    </a:lvl3pPr>
+    <a:lvl4pPr marL="1371600" algn="l" defTabSz="914400" rtl="0" eaLnBrk="1" latinLnBrk="0" hangingPunct="1">
+      <a:defRPr sz="1200" kern="1200">
+        <a:solidFill>
+          <a:schemeClr val="tx1"/>
+        </a:solidFill>
+        <a:latin typeface="+mn-lt"/>
+        <a:ea typeface="+mn-ea"/>
+        <a:cs typeface="+mn-cs"/>
+      </a:defRPr>
+    </a:lvl4pPr>
+    <a:lvl5pPr marL="1828800" algn="l" defTabSz="914400" rtl="0" eaLnBrk="1" latinLnBrk="0" hangingPunct="1">
+      <a:defRPr sz="1200" kern="1200">
+        <a:solidFill>
+          <a:schemeClr val="tx1"/>
+        </a:solidFill>
+        <a:latin typeface="+mn-lt"/>
+        <a:ea typeface="+mn-ea"/>
+        <a:cs typeface="+mn-cs"/>
+      </a:defRPr>
+    </a:lvl5pPr>
+    <a:lvl6pPr marL="2286000" algn="l" defTabSz="914400" rtl="0" eaLnBrk="1" latinLnBrk="0" hangingPunct="1">
+      <a:defRPr sz="1200" kern="1200">
+        <a:solidFill>
+          <a:schemeClr val="tx1"/>
+        </a:solidFill>
+        <a:latin typeface="+mn-lt"/>
+        <a:ea typeface="+mn-ea"/>
+        <a:cs typeface="+mn-cs"/>
+      </a:defRPr>
+    </a:lvl6pPr>
+    <a:lvl7pPr marL="2743200" algn="l" defTabSz="914400" rtl="0" eaLnBrk="1" latinLnBrk="0" hangingPunct="1">
+      <a:defRPr sz="1200" kern="1200">
+        <a:solidFill>
+          <a:schemeClr val="tx1"/>
+        </a:solidFill>
+        <a:latin typeface="+mn-lt"/>
+        <a:ea typeface="+mn-ea"/>
+        <a:cs typeface="+mn-cs"/>
+      </a:defRPr>
+    </a:lvl7pPr>
+    <a:lvl8pPr marL="3200400" algn="l" defTabSz="914400" rtl="0" eaLnBrk="1" latinLnBrk="0" hangingPunct="1">
+      <a:defRPr sz="1200" kern="1200">
+        <a:solidFill>
+          <a:schemeClr val="tx1"/>
+        </a:solidFill>
+        <a:latin typeface="+mn-lt"/>
+        <a:ea typeface="+mn-ea"/>
+        <a:cs typeface="+mn-cs"/>
+      </a:defRPr>
+    </a:lvl8pPr>
+    <a:lvl9pPr marL="3657600" algn="l" defTabSz="914400" rtl="0" eaLnBrk="1" latinLnBrk="0" hangingPunct="1">
+      <a:defRPr sz="1200" kern="1200">
+        <a:solidFill>
+          <a:schemeClr val="tx1"/>
+        </a:solidFill>
+        <a:latin typeface="+mn-lt"/>
+        <a:ea typeface="+mn-ea"/>
+        <a:cs typeface="+mn-cs"/>
+      </a:defRPr>
+    </a:lvl9pPr>
+  </p:notesStyle>
+</p:notesMaster>
+</file>
+
+<file path=ppt/notesSlides/notesSlide1.xml><?xml version="1.0" encoding="utf-8"?>
+<p:notes xmlns:a="http://schemas.openxmlformats.org/drawingml/2006/main" xmlns:r="http://schemas.openxmlformats.org/officeDocument/2006/relationships" xmlns:p="http://schemas.openxmlformats.org/presentationml/2006/main">
+  <p:cSld>
+    <p:spTree>
+      <p:nvGrpSpPr>
+        <p:cNvPr id="1" name=""/>
+        <p:cNvGrpSpPr/>
+        <p:nvPr/>
+      </p:nvGrpSpPr>
+      <p:grpSpPr>
+        <a:xfrm>
+          <a:off x="0" y="0"/>
+          <a:ext cx="0" cy="0"/>
+          <a:chOff x="0" y="0"/>
+          <a:chExt cx="0" cy="0"/>
+        </a:xfrm>
+      </p:grpSpPr>
+      <p:sp>
+        <p:nvSpPr>
+          <p:cNvPr id="2" name="Slide Image Placeholder 1"/>
+          <p:cNvSpPr>
+            <a:spLocks noGrp="1" noRot="1" noChangeAspect="1"/>
+          </p:cNvSpPr>
+          <p:nvPr>
+            <p:ph type="sldImg"/>
+          </p:nvPr>
+        </p:nvSpPr>
+        <p:spPr/>
+      </p:sp>
+      <p:sp>
+        <p:nvSpPr>
+          <p:cNvPr id="3" name="Notes Placeholder 2"/>
+          <p:cNvSpPr>
+            <a:spLocks noGrp="1"/>
+          </p:cNvSpPr>
+          <p:nvPr>
+            <p:ph type="body" idx="1"/>
+          </p:nvPr>
+        </p:nvSpPr>
+        <p:spPr/>
+        <p:txBody>
+          <a:bodyPr>
+            <a:normAutofit/>
+          </a:bodyPr>
+          <a:lstStyle/>
+          <a:p>
+            <a:endParaRPr lang="en-US" dirty="0"/>
+          </a:p>
+        </p:txBody>
+      </p:sp>
+      <p:sp>
+        <p:nvSpPr>
+          <p:cNvPr id="4" name="Slide Number Placeholder 3"/>
+          <p:cNvSpPr>
+            <a:spLocks noGrp="1"/>
+          </p:cNvSpPr>
+          <p:nvPr>
+            <p:ph type="sldNum" sz="quarter" idx="10"/>
+          </p:nvPr>
+        </p:nvSpPr>
+        <p:spPr/>
+        <p:txBody>
+          <a:bodyPr/>
+          <a:lstStyle/>
+          <a:p>
+            <a:fld id="{71E8DB59-2BAE-4C87-9CC0-816EF4AF7CA8}" type="slidenum">
+              <a:rPr lang="en-US" smtClean="0"/>
+              <a:t>4</a:t>
+            </a:fld>
+            <a:endParaRPr lang="en-US"/>
+          </a:p>
+        </p:txBody>
+      </p:sp>
+    </p:spTree>
+  </p:cSld>
+  <p:clrMapOvr>
+    <a:masterClrMapping/>
+  </p:clrMapOvr>
+</p:notes>
+</file>
+
 <file path=ppt/slideLayouts/slideLayout1.xml><?xml version="1.0" encoding="utf-8"?>
 <p:sldLayout xmlns:a="http://schemas.openxmlformats.org/drawingml/2006/main" xmlns:r="http://schemas.openxmlformats.org/officeDocument/2006/relationships" xmlns:p="http://schemas.openxmlformats.org/presentationml/2006/main" type="title" preserve="1">
   <p:cSld name="Title Slide">
@@ -293,7 +725,7 @@
             <a:fld id="{44FFA7B4-467F-4D47-8FD3-151B1A0C5FD4}" type="datetimeFigureOut">
               <a:rPr lang="en-US" smtClean="0"/>
               <a:pPr/>
-              <a:t>8/26/2010</a:t>
+              <a:t>10/25/2010</a:t>
             </a:fld>
             <a:endParaRPr lang="en-US"/>
           </a:p>
@@ -460,7 +892,7 @@
             <a:fld id="{44FFA7B4-467F-4D47-8FD3-151B1A0C5FD4}" type="datetimeFigureOut">
               <a:rPr lang="en-US" smtClean="0"/>
               <a:pPr/>
-              <a:t>8/26/2010</a:t>
+              <a:t>10/25/2010</a:t>
             </a:fld>
             <a:endParaRPr lang="en-US"/>
           </a:p>
@@ -637,7 +1069,7 @@
             <a:fld id="{44FFA7B4-467F-4D47-8FD3-151B1A0C5FD4}" type="datetimeFigureOut">
               <a:rPr lang="en-US" smtClean="0"/>
               <a:pPr/>
-              <a:t>8/26/2010</a:t>
+              <a:t>10/25/2010</a:t>
             </a:fld>
             <a:endParaRPr lang="en-US"/>
           </a:p>
@@ -804,7 +1236,7 @@
             <a:fld id="{44FFA7B4-467F-4D47-8FD3-151B1A0C5FD4}" type="datetimeFigureOut">
               <a:rPr lang="en-US" smtClean="0"/>
               <a:pPr/>
-              <a:t>8/26/2010</a:t>
+              <a:t>10/25/2010</a:t>
             </a:fld>
             <a:endParaRPr lang="en-US"/>
           </a:p>
@@ -1047,7 +1479,7 @@
             <a:fld id="{44FFA7B4-467F-4D47-8FD3-151B1A0C5FD4}" type="datetimeFigureOut">
               <a:rPr lang="en-US" smtClean="0"/>
               <a:pPr/>
-              <a:t>8/26/2010</a:t>
+              <a:t>10/25/2010</a:t>
             </a:fld>
             <a:endParaRPr lang="en-US"/>
           </a:p>
@@ -1332,7 +1764,7 @@
             <a:fld id="{44FFA7B4-467F-4D47-8FD3-151B1A0C5FD4}" type="datetimeFigureOut">
               <a:rPr lang="en-US" smtClean="0"/>
               <a:pPr/>
-              <a:t>8/26/2010</a:t>
+              <a:t>10/25/2010</a:t>
             </a:fld>
             <a:endParaRPr lang="en-US"/>
           </a:p>
@@ -1751,7 +2183,7 @@
             <a:fld id="{44FFA7B4-467F-4D47-8FD3-151B1A0C5FD4}" type="datetimeFigureOut">
               <a:rPr lang="en-US" smtClean="0"/>
               <a:pPr/>
-              <a:t>8/26/2010</a:t>
+              <a:t>10/25/2010</a:t>
             </a:fld>
             <a:endParaRPr lang="en-US"/>
           </a:p>
@@ -1866,7 +2298,7 @@
             <a:fld id="{44FFA7B4-467F-4D47-8FD3-151B1A0C5FD4}" type="datetimeFigureOut">
               <a:rPr lang="en-US" smtClean="0"/>
               <a:pPr/>
-              <a:t>8/26/2010</a:t>
+              <a:t>10/25/2010</a:t>
             </a:fld>
             <a:endParaRPr lang="en-US"/>
           </a:p>
@@ -1958,7 +2390,7 @@
             <a:fld id="{44FFA7B4-467F-4D47-8FD3-151B1A0C5FD4}" type="datetimeFigureOut">
               <a:rPr lang="en-US" smtClean="0"/>
               <a:pPr/>
-              <a:t>8/26/2010</a:t>
+              <a:t>10/25/2010</a:t>
             </a:fld>
             <a:endParaRPr lang="en-US"/>
           </a:p>
@@ -2232,7 +2664,7 @@
             <a:fld id="{44FFA7B4-467F-4D47-8FD3-151B1A0C5FD4}" type="datetimeFigureOut">
               <a:rPr lang="en-US" smtClean="0"/>
               <a:pPr/>
-              <a:t>8/26/2010</a:t>
+              <a:t>10/25/2010</a:t>
             </a:fld>
             <a:endParaRPr lang="en-US"/>
           </a:p>
@@ -2482,7 +2914,7 @@
             <a:fld id="{44FFA7B4-467F-4D47-8FD3-151B1A0C5FD4}" type="datetimeFigureOut">
               <a:rPr lang="en-US" smtClean="0"/>
               <a:pPr/>
-              <a:t>8/26/2010</a:t>
+              <a:t>10/25/2010</a:t>
             </a:fld>
             <a:endParaRPr lang="en-US"/>
           </a:p>
@@ -2692,7 +3124,7 @@
             <a:fld id="{44FFA7B4-467F-4D47-8FD3-151B1A0C5FD4}" type="datetimeFigureOut">
               <a:rPr lang="en-US" smtClean="0"/>
               <a:pPr/>
-              <a:t>8/26/2010</a:t>
+              <a:t>10/25/2010</a:t>
             </a:fld>
             <a:endParaRPr lang="en-US"/>
           </a:p>
@@ -5959,6 +6391,780 @@
         </p:nvSpPr>
         <p:spPr>
           <a:xfrm>
+            <a:off x="6705600" y="1295400"/>
+            <a:ext cx="845296" cy="923330"/>
+          </a:xfrm>
+          <a:prstGeom prst="rect">
+            <a:avLst/>
+          </a:prstGeom>
+          <a:noFill/>
+        </p:spPr>
+        <p:txBody>
+          <a:bodyPr wrap="none" rtlCol="0">
+            <a:spAutoFit/>
+          </a:bodyPr>
+          <a:lstStyle/>
+          <a:p>
+            <a:r>
+              <a:rPr lang="en-US" dirty="0" smtClean="0"/>
+              <a:t>Create</a:t>
+            </a:r>
+          </a:p>
+          <a:p>
+            <a:r>
+              <a:rPr lang="en-US" dirty="0" smtClean="0"/>
+              <a:t>Fit</a:t>
+            </a:r>
+          </a:p>
+          <a:p>
+            <a:r>
+              <a:rPr lang="en-US" dirty="0" smtClean="0"/>
+              <a:t>Predict</a:t>
+            </a:r>
+            <a:endParaRPr lang="en-US" dirty="0"/>
+          </a:p>
+        </p:txBody>
+      </p:sp>
+      <p:sp>
+        <p:nvSpPr>
+          <p:cNvPr id="8" name="Rectangle 7"/>
+          <p:cNvSpPr/>
+          <p:nvPr/>
+        </p:nvSpPr>
+        <p:spPr>
+          <a:xfrm>
+            <a:off x="6553200" y="1295400"/>
+            <a:ext cx="2362200" cy="990600"/>
+          </a:xfrm>
+          <a:prstGeom prst="rect">
+            <a:avLst/>
+          </a:prstGeom>
+          <a:noFill/>
+        </p:spPr>
+        <p:style>
+          <a:lnRef idx="2">
+            <a:schemeClr val="accent1">
+              <a:shade val="50000"/>
+            </a:schemeClr>
+          </a:lnRef>
+          <a:fillRef idx="1">
+            <a:schemeClr val="accent1"/>
+          </a:fillRef>
+          <a:effectRef idx="0">
+            <a:schemeClr val="accent1"/>
+          </a:effectRef>
+          <a:fontRef idx="minor">
+            <a:schemeClr val="lt1"/>
+          </a:fontRef>
+        </p:style>
+        <p:txBody>
+          <a:bodyPr rtlCol="0" anchor="ctr"/>
+          <a:lstStyle/>
+          <a:p>
+            <a:pPr algn="ctr"/>
+            <a:endParaRPr lang="en-US"/>
+          </a:p>
+        </p:txBody>
+      </p:sp>
+      <p:sp>
+        <p:nvSpPr>
+          <p:cNvPr id="11" name="Rectangle 10"/>
+          <p:cNvSpPr/>
+          <p:nvPr/>
+        </p:nvSpPr>
+        <p:spPr>
+          <a:xfrm>
+            <a:off x="533400" y="1219200"/>
+            <a:ext cx="2209800" cy="1143000"/>
+          </a:xfrm>
+          <a:prstGeom prst="rect">
+            <a:avLst/>
+          </a:prstGeom>
+          <a:noFill/>
+        </p:spPr>
+        <p:style>
+          <a:lnRef idx="2">
+            <a:schemeClr val="accent1">
+              <a:shade val="50000"/>
+            </a:schemeClr>
+          </a:lnRef>
+          <a:fillRef idx="1">
+            <a:schemeClr val="accent1"/>
+          </a:fillRef>
+          <a:effectRef idx="0">
+            <a:schemeClr val="accent1"/>
+          </a:effectRef>
+          <a:fontRef idx="minor">
+            <a:schemeClr val="lt1"/>
+          </a:fontRef>
+        </p:style>
+        <p:txBody>
+          <a:bodyPr rtlCol="0" anchor="ctr"/>
+          <a:lstStyle/>
+          <a:p>
+            <a:pPr algn="ctr"/>
+            <a:endParaRPr lang="en-US"/>
+          </a:p>
+        </p:txBody>
+      </p:sp>
+      <p:sp>
+        <p:nvSpPr>
+          <p:cNvPr id="12" name="TextBox 11"/>
+          <p:cNvSpPr txBox="1"/>
+          <p:nvPr/>
+        </p:nvSpPr>
+        <p:spPr>
+          <a:xfrm>
+            <a:off x="609600" y="1143000"/>
+            <a:ext cx="1905000" cy="1169551"/>
+          </a:xfrm>
+          <a:prstGeom prst="rect">
+            <a:avLst/>
+          </a:prstGeom>
+          <a:noFill/>
+        </p:spPr>
+        <p:txBody>
+          <a:bodyPr wrap="square" rtlCol="0">
+            <a:spAutoFit/>
+          </a:bodyPr>
+          <a:lstStyle/>
+          <a:p>
+            <a:r>
+              <a:rPr lang="en-US" sz="1400" dirty="0" smtClean="0"/>
+              <a:t>Create</a:t>
+            </a:r>
+          </a:p>
+          <a:p>
+            <a:r>
+              <a:rPr lang="en-US" sz="1400" dirty="0" smtClean="0"/>
+              <a:t>Fit</a:t>
+            </a:r>
+          </a:p>
+          <a:p>
+            <a:r>
+              <a:rPr lang="en-US" sz="1400" dirty="0" err="1" smtClean="0"/>
+              <a:t>Logprob</a:t>
+            </a:r>
+            <a:endParaRPr lang="en-US" sz="1400" dirty="0" smtClean="0"/>
+          </a:p>
+          <a:p>
+            <a:r>
+              <a:rPr lang="en-US" sz="1400" dirty="0" smtClean="0"/>
+              <a:t>reconstruct</a:t>
+            </a:r>
+            <a:endParaRPr lang="en-US" sz="1400" dirty="0" smtClean="0"/>
+          </a:p>
+          <a:p>
+            <a:r>
+              <a:rPr lang="en-US" sz="1400" dirty="0" smtClean="0"/>
+              <a:t>Sample</a:t>
+            </a:r>
+          </a:p>
+        </p:txBody>
+      </p:sp>
+      <p:sp>
+        <p:nvSpPr>
+          <p:cNvPr id="13" name="TextBox 12"/>
+          <p:cNvSpPr txBox="1"/>
+          <p:nvPr/>
+        </p:nvSpPr>
+        <p:spPr>
+          <a:xfrm>
+            <a:off x="1981200" y="3276600"/>
+            <a:ext cx="594522" cy="369332"/>
+          </a:xfrm>
+          <a:prstGeom prst="rect">
+            <a:avLst/>
+          </a:prstGeom>
+          <a:noFill/>
+        </p:spPr>
+        <p:txBody>
+          <a:bodyPr wrap="none" rtlCol="0">
+            <a:spAutoFit/>
+          </a:bodyPr>
+          <a:lstStyle/>
+          <a:p>
+            <a:r>
+              <a:rPr lang="en-US" dirty="0" smtClean="0"/>
+              <a:t>LVM</a:t>
+            </a:r>
+            <a:endParaRPr lang="en-US" dirty="0"/>
+          </a:p>
+        </p:txBody>
+      </p:sp>
+      <p:sp>
+        <p:nvSpPr>
+          <p:cNvPr id="14" name="TextBox 13"/>
+          <p:cNvSpPr txBox="1"/>
+          <p:nvPr/>
+        </p:nvSpPr>
+        <p:spPr>
+          <a:xfrm>
+            <a:off x="3581400" y="3276600"/>
+            <a:ext cx="527709" cy="369332"/>
+          </a:xfrm>
+          <a:prstGeom prst="rect">
+            <a:avLst/>
+          </a:prstGeom>
+          <a:noFill/>
+        </p:spPr>
+        <p:txBody>
+          <a:bodyPr wrap="none" rtlCol="0">
+            <a:spAutoFit/>
+          </a:bodyPr>
+          <a:lstStyle/>
+          <a:p>
+            <a:r>
+              <a:rPr lang="en-US" dirty="0" smtClean="0"/>
+              <a:t>GM</a:t>
+            </a:r>
+            <a:endParaRPr lang="en-US" dirty="0"/>
+          </a:p>
+        </p:txBody>
+      </p:sp>
+      <p:cxnSp>
+        <p:nvCxnSpPr>
+          <p:cNvPr id="17" name="Straight Connector 16"/>
+          <p:cNvCxnSpPr/>
+          <p:nvPr/>
+        </p:nvCxnSpPr>
+        <p:spPr>
+          <a:xfrm rot="10800000" flipV="1">
+            <a:off x="2286000" y="381000"/>
+            <a:ext cx="1295400" cy="457200"/>
+          </a:xfrm>
+          <a:prstGeom prst="line">
+            <a:avLst/>
+          </a:prstGeom>
+        </p:spPr>
+        <p:style>
+          <a:lnRef idx="1">
+            <a:schemeClr val="accent1"/>
+          </a:lnRef>
+          <a:fillRef idx="0">
+            <a:schemeClr val="accent1"/>
+          </a:fillRef>
+          <a:effectRef idx="0">
+            <a:schemeClr val="accent1"/>
+          </a:effectRef>
+          <a:fontRef idx="minor">
+            <a:schemeClr val="tx1"/>
+          </a:fontRef>
+        </p:style>
+      </p:cxnSp>
+      <p:cxnSp>
+        <p:nvCxnSpPr>
+          <p:cNvPr id="19" name="Straight Connector 18"/>
+          <p:cNvCxnSpPr/>
+          <p:nvPr/>
+        </p:nvCxnSpPr>
+        <p:spPr>
+          <a:xfrm>
+            <a:off x="3581400" y="381000"/>
+            <a:ext cx="3276600" cy="457200"/>
+          </a:xfrm>
+          <a:prstGeom prst="line">
+            <a:avLst/>
+          </a:prstGeom>
+        </p:spPr>
+        <p:style>
+          <a:lnRef idx="1">
+            <a:schemeClr val="accent1"/>
+          </a:lnRef>
+          <a:fillRef idx="0">
+            <a:schemeClr val="accent1"/>
+          </a:fillRef>
+          <a:effectRef idx="0">
+            <a:schemeClr val="accent1"/>
+          </a:effectRef>
+          <a:fontRef idx="minor">
+            <a:schemeClr val="tx1"/>
+          </a:fontRef>
+        </p:style>
+      </p:cxnSp>
+      <p:cxnSp>
+        <p:nvCxnSpPr>
+          <p:cNvPr id="26" name="Straight Connector 25"/>
+          <p:cNvCxnSpPr/>
+          <p:nvPr/>
+        </p:nvCxnSpPr>
+        <p:spPr>
+          <a:xfrm rot="16200000" flipH="1">
+            <a:off x="1485900" y="2400300"/>
+            <a:ext cx="838200" cy="762000"/>
+          </a:xfrm>
+          <a:prstGeom prst="line">
+            <a:avLst/>
+          </a:prstGeom>
+        </p:spPr>
+        <p:style>
+          <a:lnRef idx="1">
+            <a:schemeClr val="accent1"/>
+          </a:lnRef>
+          <a:fillRef idx="0">
+            <a:schemeClr val="accent1"/>
+          </a:fillRef>
+          <a:effectRef idx="0">
+            <a:schemeClr val="accent1"/>
+          </a:effectRef>
+          <a:fontRef idx="minor">
+            <a:schemeClr val="tx1"/>
+          </a:fontRef>
+        </p:style>
+      </p:cxnSp>
+      <p:cxnSp>
+        <p:nvCxnSpPr>
+          <p:cNvPr id="28" name="Straight Connector 27"/>
+          <p:cNvCxnSpPr/>
+          <p:nvPr/>
+        </p:nvCxnSpPr>
+        <p:spPr>
+          <a:xfrm>
+            <a:off x="1524000" y="2362200"/>
+            <a:ext cx="2209800" cy="838200"/>
+          </a:xfrm>
+          <a:prstGeom prst="line">
+            <a:avLst/>
+          </a:prstGeom>
+        </p:spPr>
+        <p:style>
+          <a:lnRef idx="1">
+            <a:schemeClr val="accent1"/>
+          </a:lnRef>
+          <a:fillRef idx="0">
+            <a:schemeClr val="accent1"/>
+          </a:fillRef>
+          <a:effectRef idx="0">
+            <a:schemeClr val="accent1"/>
+          </a:effectRef>
+          <a:fontRef idx="minor">
+            <a:schemeClr val="tx1"/>
+          </a:fontRef>
+        </p:style>
+      </p:cxnSp>
+      <p:sp>
+        <p:nvSpPr>
+          <p:cNvPr id="31" name="Rectangle 30"/>
+          <p:cNvSpPr/>
+          <p:nvPr/>
+        </p:nvSpPr>
+        <p:spPr>
+          <a:xfrm>
+            <a:off x="1828800" y="3657600"/>
+            <a:ext cx="1219200" cy="990600"/>
+          </a:xfrm>
+          <a:prstGeom prst="rect">
+            <a:avLst/>
+          </a:prstGeom>
+          <a:noFill/>
+        </p:spPr>
+        <p:style>
+          <a:lnRef idx="2">
+            <a:schemeClr val="accent1">
+              <a:shade val="50000"/>
+            </a:schemeClr>
+          </a:lnRef>
+          <a:fillRef idx="1">
+            <a:schemeClr val="accent1"/>
+          </a:fillRef>
+          <a:effectRef idx="0">
+            <a:schemeClr val="accent1"/>
+          </a:effectRef>
+          <a:fontRef idx="minor">
+            <a:schemeClr val="lt1"/>
+          </a:fontRef>
+        </p:style>
+        <p:txBody>
+          <a:bodyPr rtlCol="0" anchor="ctr"/>
+          <a:lstStyle/>
+          <a:p>
+            <a:pPr algn="ctr"/>
+            <a:endParaRPr lang="en-US"/>
+          </a:p>
+        </p:txBody>
+      </p:sp>
+      <p:sp>
+        <p:nvSpPr>
+          <p:cNvPr id="32" name="TextBox 31"/>
+          <p:cNvSpPr txBox="1"/>
+          <p:nvPr/>
+        </p:nvSpPr>
+        <p:spPr>
+          <a:xfrm>
+            <a:off x="1828800" y="3657600"/>
+            <a:ext cx="1215974" cy="646331"/>
+          </a:xfrm>
+          <a:prstGeom prst="rect">
+            <a:avLst/>
+          </a:prstGeom>
+          <a:noFill/>
+        </p:spPr>
+        <p:txBody>
+          <a:bodyPr wrap="none" rtlCol="0">
+            <a:spAutoFit/>
+          </a:bodyPr>
+          <a:lstStyle/>
+          <a:p>
+            <a:r>
+              <a:rPr lang="en-US" dirty="0" err="1" smtClean="0"/>
+              <a:t>InferLatent</a:t>
+            </a:r>
+            <a:endParaRPr lang="en-US" dirty="0" smtClean="0"/>
+          </a:p>
+          <a:p>
+            <a:r>
+              <a:rPr lang="en-US" dirty="0" err="1" smtClean="0"/>
+              <a:t>MapLatent</a:t>
+            </a:r>
+            <a:endParaRPr lang="en-US" dirty="0"/>
+          </a:p>
+        </p:txBody>
+      </p:sp>
+      <p:sp>
+        <p:nvSpPr>
+          <p:cNvPr id="33" name="Rectangle 32"/>
+          <p:cNvSpPr/>
+          <p:nvPr/>
+        </p:nvSpPr>
+        <p:spPr>
+          <a:xfrm>
+            <a:off x="3352800" y="3657599"/>
+            <a:ext cx="1295400" cy="1905001"/>
+          </a:xfrm>
+          <a:prstGeom prst="rect">
+            <a:avLst/>
+          </a:prstGeom>
+          <a:noFill/>
+        </p:spPr>
+        <p:style>
+          <a:lnRef idx="2">
+            <a:schemeClr val="accent1">
+              <a:shade val="50000"/>
+            </a:schemeClr>
+          </a:lnRef>
+          <a:fillRef idx="1">
+            <a:schemeClr val="accent1"/>
+          </a:fillRef>
+          <a:effectRef idx="0">
+            <a:schemeClr val="accent1"/>
+          </a:effectRef>
+          <a:fontRef idx="minor">
+            <a:schemeClr val="lt1"/>
+          </a:fontRef>
+        </p:style>
+        <p:txBody>
+          <a:bodyPr rtlCol="0" anchor="ctr"/>
+          <a:lstStyle/>
+          <a:p>
+            <a:pPr algn="ctr"/>
+            <a:endParaRPr lang="en-US"/>
+          </a:p>
+        </p:txBody>
+      </p:sp>
+      <p:sp>
+        <p:nvSpPr>
+          <p:cNvPr id="34" name="TextBox 33"/>
+          <p:cNvSpPr txBox="1"/>
+          <p:nvPr/>
+        </p:nvSpPr>
+        <p:spPr>
+          <a:xfrm>
+            <a:off x="3352800" y="3657600"/>
+            <a:ext cx="1219200" cy="1600438"/>
+          </a:xfrm>
+          <a:prstGeom prst="rect">
+            <a:avLst/>
+          </a:prstGeom>
+          <a:noFill/>
+        </p:spPr>
+        <p:txBody>
+          <a:bodyPr wrap="square" rtlCol="0">
+            <a:spAutoFit/>
+          </a:bodyPr>
+          <a:lstStyle/>
+          <a:p>
+            <a:r>
+              <a:rPr lang="en-US" sz="1600" dirty="0" err="1" smtClean="0"/>
+              <a:t>fitStruct</a:t>
+            </a:r>
+            <a:endParaRPr lang="en-US" sz="1600" dirty="0" smtClean="0"/>
+          </a:p>
+          <a:p>
+            <a:r>
+              <a:rPr lang="en-US" sz="1600" dirty="0" err="1" smtClean="0"/>
+              <a:t>i</a:t>
+            </a:r>
+            <a:r>
+              <a:rPr lang="en-US" sz="1600" dirty="0" err="1" smtClean="0"/>
+              <a:t>nferFamily</a:t>
+            </a:r>
+            <a:endParaRPr lang="en-US" sz="1600" dirty="0" smtClean="0"/>
+          </a:p>
+          <a:p>
+            <a:r>
+              <a:rPr lang="en-US" sz="1600" dirty="0" err="1" smtClean="0"/>
+              <a:t>i</a:t>
+            </a:r>
+            <a:r>
+              <a:rPr lang="en-US" sz="1600" dirty="0" err="1" smtClean="0"/>
+              <a:t>nferNodes</a:t>
+            </a:r>
+            <a:endParaRPr lang="en-US" sz="1600" dirty="0" smtClean="0"/>
+          </a:p>
+          <a:p>
+            <a:r>
+              <a:rPr lang="en-US" sz="1600" dirty="0" err="1" smtClean="0"/>
+              <a:t>i</a:t>
+            </a:r>
+            <a:r>
+              <a:rPr lang="en-US" sz="1600" dirty="0" err="1" smtClean="0"/>
+              <a:t>nferQuery</a:t>
+            </a:r>
+            <a:endParaRPr lang="en-US" sz="1600" dirty="0" smtClean="0"/>
+          </a:p>
+          <a:p>
+            <a:r>
+              <a:rPr lang="en-US" sz="1600" dirty="0" smtClean="0"/>
+              <a:t>m</a:t>
+            </a:r>
+            <a:r>
+              <a:rPr lang="en-US" sz="1600" dirty="0" smtClean="0"/>
+              <a:t>ap</a:t>
+            </a:r>
+            <a:endParaRPr lang="en-US" sz="1600" dirty="0" smtClean="0"/>
+          </a:p>
+          <a:p>
+            <a:r>
+              <a:rPr lang="en-US" dirty="0" smtClean="0"/>
+              <a:t>train</a:t>
+            </a:r>
+            <a:endParaRPr lang="en-US" dirty="0"/>
+          </a:p>
+        </p:txBody>
+      </p:sp>
+      <p:sp>
+        <p:nvSpPr>
+          <p:cNvPr id="27" name="TextBox 26"/>
+          <p:cNvSpPr txBox="1"/>
+          <p:nvPr/>
+        </p:nvSpPr>
+        <p:spPr>
+          <a:xfrm flipH="1">
+            <a:off x="457200" y="3276600"/>
+            <a:ext cx="1371600" cy="369332"/>
+          </a:xfrm>
+          <a:prstGeom prst="rect">
+            <a:avLst/>
+          </a:prstGeom>
+          <a:noFill/>
+        </p:spPr>
+        <p:txBody>
+          <a:bodyPr wrap="square" rtlCol="0">
+            <a:spAutoFit/>
+          </a:bodyPr>
+          <a:lstStyle/>
+          <a:p>
+            <a:r>
+              <a:rPr lang="en-US" dirty="0" smtClean="0"/>
+              <a:t>basic</a:t>
+            </a:r>
+          </a:p>
+        </p:txBody>
+      </p:sp>
+      <p:cxnSp>
+        <p:nvCxnSpPr>
+          <p:cNvPr id="40" name="Straight Connector 39"/>
+          <p:cNvCxnSpPr/>
+          <p:nvPr/>
+        </p:nvCxnSpPr>
+        <p:spPr>
+          <a:xfrm rot="10800000" flipV="1">
+            <a:off x="457200" y="2362200"/>
+            <a:ext cx="1066800" cy="914400"/>
+          </a:xfrm>
+          <a:prstGeom prst="line">
+            <a:avLst/>
+          </a:prstGeom>
+        </p:spPr>
+        <p:style>
+          <a:lnRef idx="1">
+            <a:schemeClr val="accent1"/>
+          </a:lnRef>
+          <a:fillRef idx="0">
+            <a:schemeClr val="accent1"/>
+          </a:fillRef>
+          <a:effectRef idx="0">
+            <a:schemeClr val="accent1"/>
+          </a:effectRef>
+          <a:fontRef idx="minor">
+            <a:schemeClr val="tx1"/>
+          </a:fontRef>
+        </p:style>
+      </p:cxnSp>
+      <p:sp>
+        <p:nvSpPr>
+          <p:cNvPr id="41" name="Rectangle 40"/>
+          <p:cNvSpPr/>
+          <p:nvPr/>
+        </p:nvSpPr>
+        <p:spPr>
+          <a:xfrm>
+            <a:off x="304800" y="3657600"/>
+            <a:ext cx="990600" cy="381000"/>
+          </a:xfrm>
+          <a:prstGeom prst="rect">
+            <a:avLst/>
+          </a:prstGeom>
+          <a:noFill/>
+        </p:spPr>
+        <p:style>
+          <a:lnRef idx="2">
+            <a:schemeClr val="accent1">
+              <a:shade val="50000"/>
+            </a:schemeClr>
+          </a:lnRef>
+          <a:fillRef idx="1">
+            <a:schemeClr val="accent1"/>
+          </a:fillRef>
+          <a:effectRef idx="0">
+            <a:schemeClr val="accent1"/>
+          </a:effectRef>
+          <a:fontRef idx="minor">
+            <a:schemeClr val="lt1"/>
+          </a:fontRef>
+        </p:style>
+        <p:txBody>
+          <a:bodyPr rtlCol="0" anchor="ctr"/>
+          <a:lstStyle/>
+          <a:p>
+            <a:pPr algn="ctr"/>
+            <a:endParaRPr lang="en-US"/>
+          </a:p>
+        </p:txBody>
+      </p:sp>
+    </p:spTree>
+  </p:cSld>
+  <p:clrMapOvr>
+    <a:masterClrMapping/>
+  </p:clrMapOvr>
+</p:sld>
+</file>
+
+<file path=ppt/slides/slide5.xml><?xml version="1.0" encoding="utf-8"?>
+<p:sld xmlns:a="http://schemas.openxmlformats.org/drawingml/2006/main" xmlns:r="http://schemas.openxmlformats.org/officeDocument/2006/relationships" xmlns:p="http://schemas.openxmlformats.org/presentationml/2006/main">
+  <p:cSld>
+    <p:spTree>
+      <p:nvGrpSpPr>
+        <p:cNvPr id="1" name=""/>
+        <p:cNvGrpSpPr/>
+        <p:nvPr/>
+      </p:nvGrpSpPr>
+      <p:grpSpPr>
+        <a:xfrm>
+          <a:off x="0" y="0"/>
+          <a:ext cx="0" cy="0"/>
+          <a:chOff x="0" y="0"/>
+          <a:chExt cx="0" cy="0"/>
+        </a:xfrm>
+      </p:grpSpPr>
+      <p:sp>
+        <p:nvSpPr>
+          <p:cNvPr id="4" name="TextBox 3"/>
+          <p:cNvSpPr txBox="1"/>
+          <p:nvPr/>
+        </p:nvSpPr>
+        <p:spPr>
+          <a:xfrm>
+            <a:off x="3352800" y="0"/>
+            <a:ext cx="870751" cy="369332"/>
+          </a:xfrm>
+          <a:prstGeom prst="rect">
+            <a:avLst/>
+          </a:prstGeom>
+          <a:noFill/>
+        </p:spPr>
+        <p:txBody>
+          <a:bodyPr wrap="none" rtlCol="0">
+            <a:spAutoFit/>
+          </a:bodyPr>
+          <a:lstStyle/>
+          <a:p>
+            <a:r>
+              <a:rPr lang="en-US" dirty="0" smtClean="0"/>
+              <a:t>models</a:t>
+            </a:r>
+            <a:endParaRPr lang="en-US" dirty="0"/>
+          </a:p>
+        </p:txBody>
+      </p:sp>
+      <p:sp>
+        <p:nvSpPr>
+          <p:cNvPr id="5" name="TextBox 4"/>
+          <p:cNvSpPr txBox="1"/>
+          <p:nvPr/>
+        </p:nvSpPr>
+        <p:spPr>
+          <a:xfrm>
+            <a:off x="1066800" y="914400"/>
+            <a:ext cx="1479572" cy="369332"/>
+          </a:xfrm>
+          <a:prstGeom prst="rect">
+            <a:avLst/>
+          </a:prstGeom>
+          <a:noFill/>
+        </p:spPr>
+        <p:txBody>
+          <a:bodyPr wrap="none" rtlCol="0">
+            <a:spAutoFit/>
+          </a:bodyPr>
+          <a:lstStyle/>
+          <a:p>
+            <a:r>
+              <a:rPr lang="en-US" dirty="0" smtClean="0"/>
+              <a:t>unconditional</a:t>
+            </a:r>
+            <a:endParaRPr lang="en-US" dirty="0"/>
+          </a:p>
+        </p:txBody>
+      </p:sp>
+      <p:sp>
+        <p:nvSpPr>
+          <p:cNvPr id="6" name="TextBox 5"/>
+          <p:cNvSpPr txBox="1"/>
+          <p:nvPr/>
+        </p:nvSpPr>
+        <p:spPr>
+          <a:xfrm>
+            <a:off x="6705600" y="914400"/>
+            <a:ext cx="1388316" cy="369332"/>
+          </a:xfrm>
+          <a:prstGeom prst="rect">
+            <a:avLst/>
+          </a:prstGeom>
+          <a:noFill/>
+        </p:spPr>
+        <p:txBody>
+          <a:bodyPr wrap="square" rtlCol="0">
+            <a:spAutoFit/>
+          </a:bodyPr>
+          <a:lstStyle/>
+          <a:p>
+            <a:r>
+              <a:rPr lang="en-US" dirty="0" smtClean="0"/>
+              <a:t>supervised</a:t>
+            </a:r>
+            <a:endParaRPr lang="en-US" dirty="0"/>
+          </a:p>
+        </p:txBody>
+      </p:sp>
+      <p:sp>
+        <p:nvSpPr>
+          <p:cNvPr id="7" name="TextBox 6"/>
+          <p:cNvSpPr txBox="1"/>
+          <p:nvPr/>
+        </p:nvSpPr>
+        <p:spPr>
+          <a:xfrm>
             <a:off x="6858000" y="1600200"/>
             <a:ext cx="2013885" cy="3416320"/>
           </a:xfrm>
@@ -6740,7 +7946,7 @@
 </p:sld>
 </file>
 
-<file path=ppt/slides/slide5.xml><?xml version="1.0" encoding="utf-8"?>
+<file path=ppt/slides/slide6.xml><?xml version="1.0" encoding="utf-8"?>
 <p:sld xmlns:a="http://schemas.openxmlformats.org/drawingml/2006/main" xmlns:r="http://schemas.openxmlformats.org/officeDocument/2006/relationships" xmlns:p="http://schemas.openxmlformats.org/presentationml/2006/main">
   <p:cSld>
     <p:spTree>
@@ -7046,4 +8252,287 @@
   <a:objectDefaults/>
   <a:extraClrSchemeLst/>
 </a:theme>
+</file>
+
+<file path=ppt/theme/theme2.xml><?xml version="1.0" encoding="utf-8"?>
+<a:theme xmlns:a="http://schemas.openxmlformats.org/drawingml/2006/main" name="Office Theme">
+  <a:themeElements>
+    <a:clrScheme name="Office">
+      <a:dk1>
+        <a:sysClr val="windowText" lastClr="000000"/>
+      </a:dk1>
+      <a:lt1>
+        <a:sysClr val="window" lastClr="FFFFFF"/>
+      </a:lt1>
+      <a:dk2>
+        <a:srgbClr val="1F497D"/>
+      </a:dk2>
+      <a:lt2>
+        <a:srgbClr val="EEECE1"/>
+      </a:lt2>
+      <a:accent1>
+        <a:srgbClr val="4F81BD"/>
+      </a:accent1>
+      <a:accent2>
+        <a:srgbClr val="C0504D"/>
+      </a:accent2>
+      <a:accent3>
+        <a:srgbClr val="9BBB59"/>
+      </a:accent3>
+      <a:accent4>
+        <a:srgbClr val="8064A2"/>
+      </a:accent4>
+      <a:accent5>
+        <a:srgbClr val="4BACC6"/>
+      </a:accent5>
+      <a:accent6>
+        <a:srgbClr val="F79646"/>
+      </a:accent6>
+      <a:hlink>
+        <a:srgbClr val="0000FF"/>
+      </a:hlink>
+      <a:folHlink>
+        <a:srgbClr val="800080"/>
+      </a:folHlink>
+    </a:clrScheme>
+    <a:fontScheme name="Office">
+      <a:majorFont>
+        <a:latin typeface="Calibri"/>
+        <a:ea typeface=""/>
+        <a:cs typeface=""/>
+        <a:font script="Jpan" typeface="ＭＳ Ｐゴシック"/>
+        <a:font script="Hang" typeface="맑은 고딕"/>
+        <a:font script="Hans" typeface="宋体"/>
+        <a:font script="Hant" typeface="新細明體"/>
+        <a:font script="Arab" typeface="Times New Roman"/>
+        <a:font script="Hebr" typeface="Times New Roman"/>
+        <a:font script="Thai" typeface="Angsana New"/>
+        <a:font script="Ethi" typeface="Nyala"/>
+        <a:font script="Beng" typeface="Vrinda"/>
+        <a:font script="Gujr" typeface="Shruti"/>
+        <a:font script="Khmr" typeface="MoolBoran"/>
+        <a:font script="Knda" typeface="Tunga"/>
+        <a:font script="Guru" typeface="Raavi"/>
+        <a:font script="Cans" typeface="Euphemia"/>
+        <a:font script="Cher" typeface="Plantagenet Cherokee"/>
+        <a:font script="Yiii" typeface="Microsoft Yi Baiti"/>
+        <a:font script="Tibt" typeface="Microsoft Himalaya"/>
+        <a:font script="Thaa" typeface="MV Boli"/>
+        <a:font script="Deva" typeface="Mangal"/>
+        <a:font script="Telu" typeface="Gautami"/>
+        <a:font script="Taml" typeface="Latha"/>
+        <a:font script="Syrc" typeface="Estrangelo Edessa"/>
+        <a:font script="Orya" typeface="Kalinga"/>
+        <a:font script="Mlym" typeface="Kartika"/>
+        <a:font script="Laoo" typeface="DokChampa"/>
+        <a:font script="Sinh" typeface="Iskoola Pota"/>
+        <a:font script="Mong" typeface="Mongolian Baiti"/>
+        <a:font script="Viet" typeface="Times New Roman"/>
+        <a:font script="Uigh" typeface="Microsoft Uighur"/>
+      </a:majorFont>
+      <a:minorFont>
+        <a:latin typeface="Calibri"/>
+        <a:ea typeface=""/>
+        <a:cs typeface=""/>
+        <a:font script="Jpan" typeface="ＭＳ Ｐゴシック"/>
+        <a:font script="Hang" typeface="맑은 고딕"/>
+        <a:font script="Hans" typeface="宋体"/>
+        <a:font script="Hant" typeface="新細明體"/>
+        <a:font script="Arab" typeface="Arial"/>
+        <a:font script="Hebr" typeface="Arial"/>
+        <a:font script="Thai" typeface="Cordia New"/>
+        <a:font script="Ethi" typeface="Nyala"/>
+        <a:font script="Beng" typeface="Vrinda"/>
+        <a:font script="Gujr" typeface="Shruti"/>
+        <a:font script="Khmr" typeface="DaunPenh"/>
+        <a:font script="Knda" typeface="Tunga"/>
+        <a:font script="Guru" typeface="Raavi"/>
+        <a:font script="Cans" typeface="Euphemia"/>
+        <a:font script="Cher" typeface="Plantagenet Cherokee"/>
+        <a:font script="Yiii" typeface="Microsoft Yi Baiti"/>
+        <a:font script="Tibt" typeface="Microsoft Himalaya"/>
+        <a:font script="Thaa" typeface="MV Boli"/>
+        <a:font script="Deva" typeface="Mangal"/>
+        <a:font script="Telu" typeface="Gautami"/>
+        <a:font script="Taml" typeface="Latha"/>
+        <a:font script="Syrc" typeface="Estrangelo Edessa"/>
+        <a:font script="Orya" typeface="Kalinga"/>
+        <a:font script="Mlym" typeface="Kartika"/>
+        <a:font script="Laoo" typeface="DokChampa"/>
+        <a:font script="Sinh" typeface="Iskoola Pota"/>
+        <a:font script="Mong" typeface="Mongolian Baiti"/>
+        <a:font script="Viet" typeface="Arial"/>
+        <a:font script="Uigh" typeface="Microsoft Uighur"/>
+      </a:minorFont>
+    </a:fontScheme>
+    <a:fmtScheme name="Office">
+      <a:fillStyleLst>
+        <a:solidFill>
+          <a:schemeClr val="phClr"/>
+        </a:solidFill>
+        <a:gradFill rotWithShape="1">
+          <a:gsLst>
+            <a:gs pos="0">
+              <a:schemeClr val="phClr">
+                <a:tint val="50000"/>
+                <a:satMod val="300000"/>
+              </a:schemeClr>
+            </a:gs>
+            <a:gs pos="35000">
+              <a:schemeClr val="phClr">
+                <a:tint val="37000"/>
+                <a:satMod val="300000"/>
+              </a:schemeClr>
+            </a:gs>
+            <a:gs pos="100000">
+              <a:schemeClr val="phClr">
+                <a:tint val="15000"/>
+                <a:satMod val="350000"/>
+              </a:schemeClr>
+            </a:gs>
+          </a:gsLst>
+          <a:lin ang="16200000" scaled="1"/>
+        </a:gradFill>
+        <a:gradFill rotWithShape="1">
+          <a:gsLst>
+            <a:gs pos="0">
+              <a:schemeClr val="phClr">
+                <a:shade val="51000"/>
+                <a:satMod val="130000"/>
+              </a:schemeClr>
+            </a:gs>
+            <a:gs pos="80000">
+              <a:schemeClr val="phClr">
+                <a:shade val="93000"/>
+                <a:satMod val="130000"/>
+              </a:schemeClr>
+            </a:gs>
+            <a:gs pos="100000">
+              <a:schemeClr val="phClr">
+                <a:shade val="94000"/>
+                <a:satMod val="135000"/>
+              </a:schemeClr>
+            </a:gs>
+          </a:gsLst>
+          <a:lin ang="16200000" scaled="0"/>
+        </a:gradFill>
+      </a:fillStyleLst>
+      <a:lnStyleLst>
+        <a:ln w="9525" cap="flat" cmpd="sng" algn="ctr">
+          <a:solidFill>
+            <a:schemeClr val="phClr">
+              <a:shade val="95000"/>
+              <a:satMod val="105000"/>
+            </a:schemeClr>
+          </a:solidFill>
+          <a:prstDash val="solid"/>
+        </a:ln>
+        <a:ln w="25400" cap="flat" cmpd="sng" algn="ctr">
+          <a:solidFill>
+            <a:schemeClr val="phClr"/>
+          </a:solidFill>
+          <a:prstDash val="solid"/>
+        </a:ln>
+        <a:ln w="38100" cap="flat" cmpd="sng" algn="ctr">
+          <a:solidFill>
+            <a:schemeClr val="phClr"/>
+          </a:solidFill>
+          <a:prstDash val="solid"/>
+        </a:ln>
+      </a:lnStyleLst>
+      <a:effectStyleLst>
+        <a:effectStyle>
+          <a:effectLst>
+            <a:outerShdw blurRad="40000" dist="20000" dir="5400000" rotWithShape="0">
+              <a:srgbClr val="000000">
+                <a:alpha val="38000"/>
+              </a:srgbClr>
+            </a:outerShdw>
+          </a:effectLst>
+        </a:effectStyle>
+        <a:effectStyle>
+          <a:effectLst>
+            <a:outerShdw blurRad="40000" dist="23000" dir="5400000" rotWithShape="0">
+              <a:srgbClr val="000000">
+                <a:alpha val="35000"/>
+              </a:srgbClr>
+            </a:outerShdw>
+          </a:effectLst>
+        </a:effectStyle>
+        <a:effectStyle>
+          <a:effectLst>
+            <a:outerShdw blurRad="40000" dist="23000" dir="5400000" rotWithShape="0">
+              <a:srgbClr val="000000">
+                <a:alpha val="35000"/>
+              </a:srgbClr>
+            </a:outerShdw>
+          </a:effectLst>
+          <a:scene3d>
+            <a:camera prst="orthographicFront">
+              <a:rot lat="0" lon="0" rev="0"/>
+            </a:camera>
+            <a:lightRig rig="threePt" dir="t">
+              <a:rot lat="0" lon="0" rev="1200000"/>
+            </a:lightRig>
+          </a:scene3d>
+          <a:sp3d>
+            <a:bevelT w="63500" h="25400"/>
+          </a:sp3d>
+        </a:effectStyle>
+      </a:effectStyleLst>
+      <a:bgFillStyleLst>
+        <a:solidFill>
+          <a:schemeClr val="phClr"/>
+        </a:solidFill>
+        <a:gradFill rotWithShape="1">
+          <a:gsLst>
+            <a:gs pos="0">
+              <a:schemeClr val="phClr">
+                <a:tint val="40000"/>
+                <a:satMod val="350000"/>
+              </a:schemeClr>
+            </a:gs>
+            <a:gs pos="40000">
+              <a:schemeClr val="phClr">
+                <a:tint val="45000"/>
+                <a:shade val="99000"/>
+                <a:satMod val="350000"/>
+              </a:schemeClr>
+            </a:gs>
+            <a:gs pos="100000">
+              <a:schemeClr val="phClr">
+                <a:shade val="20000"/>
+                <a:satMod val="255000"/>
+              </a:schemeClr>
+            </a:gs>
+          </a:gsLst>
+          <a:path path="circle">
+            <a:fillToRect l="50000" t="-80000" r="50000" b="180000"/>
+          </a:path>
+        </a:gradFill>
+        <a:gradFill rotWithShape="1">
+          <a:gsLst>
+            <a:gs pos="0">
+              <a:schemeClr val="phClr">
+                <a:tint val="80000"/>
+                <a:satMod val="300000"/>
+              </a:schemeClr>
+            </a:gs>
+            <a:gs pos="100000">
+              <a:schemeClr val="phClr">
+                <a:shade val="30000"/>
+                <a:satMod val="200000"/>
+              </a:schemeClr>
+            </a:gs>
+          </a:gsLst>
+          <a:path path="circle">
+            <a:fillToRect l="50000" t="50000" r="50000" b="50000"/>
+          </a:path>
+        </a:gradFill>
+      </a:bgFillStyleLst>
+    </a:fmtScheme>
+  </a:themeElements>
+  <a:objectDefaults/>
+  <a:extraClrSchemeLst/>
+</a:theme>
 </file>